--- a/FFPM/FFPM 492.pptx
+++ b/FFPM/FFPM 492.pptx
@@ -107,6 +107,22 @@
       </a:defRPr>
     </a:lvl9pPr>
   </p:defaultTextStyle>
+  <p:extLst>
+    <p:ext uri="{EFAFB233-063F-42B5-8137-9DF3F51BA10A}">
+      <p15:sldGuideLst xmlns:p15="http://schemas.microsoft.com/office/powerpoint/2012/main">
+        <p15:guide id="1" orient="horz" pos="1620">
+          <p15:clr>
+            <a:srgbClr val="A4A3A4"/>
+          </p15:clr>
+        </p15:guide>
+        <p15:guide id="2" pos="2880">
+          <p15:clr>
+            <a:srgbClr val="A4A3A4"/>
+          </p15:clr>
+        </p15:guide>
+      </p15:sldGuideLst>
+    </p:ext>
+  </p:extLst>
 </p:presentation>
 </file>
 
@@ -148,10 +164,9 @@
           <a:lstStyle/>
           <a:p>
             <a:r>
-              <a:rPr lang="fr-FR" smtClean="0"/>
+              <a:rPr lang="fr-FR"/>
               <a:t>Modifiez le style du titre</a:t>
             </a:r>
-            <a:endParaRPr lang="fr-FR"/>
           </a:p>
         </p:txBody>
       </p:sp>
@@ -267,10 +282,9 @@
           </a:lstStyle>
           <a:p>
             <a:r>
-              <a:rPr lang="fr-FR" smtClean="0"/>
+              <a:rPr lang="fr-FR"/>
               <a:t>Modifiez le style des sous-titres du masque</a:t>
             </a:r>
-            <a:endParaRPr lang="fr-FR"/>
           </a:p>
         </p:txBody>
       </p:sp>
@@ -291,7 +305,7 @@
           <a:p>
             <a:fld id="{E72BE327-78F1-4B8A-A2FD-69ADA1A7DD7F}" type="datetimeFigureOut">
               <a:rPr lang="fr-FR" smtClean="0"/>
-              <a:t>28/10/2014</a:t>
+              <a:t>16/09/2023</a:t>
             </a:fld>
             <a:endParaRPr lang="fr-FR"/>
           </a:p>
@@ -385,10 +399,9 @@
           <a:lstStyle/>
           <a:p>
             <a:r>
-              <a:rPr lang="fr-FR" smtClean="0"/>
+              <a:rPr lang="fr-FR"/>
               <a:t>Modifiez le style du titre</a:t>
             </a:r>
-            <a:endParaRPr lang="fr-FR"/>
           </a:p>
         </p:txBody>
       </p:sp>
@@ -409,38 +422,37 @@
           <a:p>
             <a:pPr lvl="0"/>
             <a:r>
-              <a:rPr lang="fr-FR" smtClean="0"/>
+              <a:rPr lang="fr-FR"/>
               <a:t>Modifiez les styles du texte du masque</a:t>
             </a:r>
           </a:p>
           <a:p>
             <a:pPr lvl="1"/>
             <a:r>
-              <a:rPr lang="fr-FR" smtClean="0"/>
+              <a:rPr lang="fr-FR"/>
               <a:t>Deuxième niveau</a:t>
             </a:r>
           </a:p>
           <a:p>
             <a:pPr lvl="2"/>
             <a:r>
-              <a:rPr lang="fr-FR" smtClean="0"/>
+              <a:rPr lang="fr-FR"/>
               <a:t>Troisième niveau</a:t>
             </a:r>
           </a:p>
           <a:p>
             <a:pPr lvl="3"/>
             <a:r>
-              <a:rPr lang="fr-FR" smtClean="0"/>
+              <a:rPr lang="fr-FR"/>
               <a:t>Quatrième niveau</a:t>
             </a:r>
           </a:p>
           <a:p>
             <a:pPr lvl="4"/>
             <a:r>
-              <a:rPr lang="fr-FR" smtClean="0"/>
+              <a:rPr lang="fr-FR"/>
               <a:t>Cinquième niveau</a:t>
             </a:r>
-            <a:endParaRPr lang="fr-FR"/>
           </a:p>
         </p:txBody>
       </p:sp>
@@ -461,7 +473,7 @@
           <a:p>
             <a:fld id="{E72BE327-78F1-4B8A-A2FD-69ADA1A7DD7F}" type="datetimeFigureOut">
               <a:rPr lang="fr-FR" smtClean="0"/>
-              <a:t>28/10/2014</a:t>
+              <a:t>16/09/2023</a:t>
             </a:fld>
             <a:endParaRPr lang="fr-FR"/>
           </a:p>
@@ -560,10 +572,9 @@
           <a:lstStyle/>
           <a:p>
             <a:r>
-              <a:rPr lang="fr-FR" smtClean="0"/>
+              <a:rPr lang="fr-FR"/>
               <a:t>Modifiez le style du titre</a:t>
             </a:r>
-            <a:endParaRPr lang="fr-FR"/>
           </a:p>
         </p:txBody>
       </p:sp>
@@ -589,38 +600,37 @@
           <a:p>
             <a:pPr lvl="0"/>
             <a:r>
-              <a:rPr lang="fr-FR" smtClean="0"/>
+              <a:rPr lang="fr-FR"/>
               <a:t>Modifiez les styles du texte du masque</a:t>
             </a:r>
           </a:p>
           <a:p>
             <a:pPr lvl="1"/>
             <a:r>
-              <a:rPr lang="fr-FR" smtClean="0"/>
+              <a:rPr lang="fr-FR"/>
               <a:t>Deuxième niveau</a:t>
             </a:r>
           </a:p>
           <a:p>
             <a:pPr lvl="2"/>
             <a:r>
-              <a:rPr lang="fr-FR" smtClean="0"/>
+              <a:rPr lang="fr-FR"/>
               <a:t>Troisième niveau</a:t>
             </a:r>
           </a:p>
           <a:p>
             <a:pPr lvl="3"/>
             <a:r>
-              <a:rPr lang="fr-FR" smtClean="0"/>
+              <a:rPr lang="fr-FR"/>
               <a:t>Quatrième niveau</a:t>
             </a:r>
           </a:p>
           <a:p>
             <a:pPr lvl="4"/>
             <a:r>
-              <a:rPr lang="fr-FR" smtClean="0"/>
+              <a:rPr lang="fr-FR"/>
               <a:t>Cinquième niveau</a:t>
             </a:r>
-            <a:endParaRPr lang="fr-FR"/>
           </a:p>
         </p:txBody>
       </p:sp>
@@ -641,7 +651,7 @@
           <a:p>
             <a:fld id="{E72BE327-78F1-4B8A-A2FD-69ADA1A7DD7F}" type="datetimeFigureOut">
               <a:rPr lang="fr-FR" smtClean="0"/>
-              <a:t>28/10/2014</a:t>
+              <a:t>16/09/2023</a:t>
             </a:fld>
             <a:endParaRPr lang="fr-FR"/>
           </a:p>
@@ -735,10 +745,9 @@
           <a:lstStyle/>
           <a:p>
             <a:r>
-              <a:rPr lang="fr-FR" smtClean="0"/>
+              <a:rPr lang="fr-FR"/>
               <a:t>Modifiez le style du titre</a:t>
             </a:r>
-            <a:endParaRPr lang="fr-FR"/>
           </a:p>
         </p:txBody>
       </p:sp>
@@ -759,38 +768,37 @@
           <a:p>
             <a:pPr lvl="0"/>
             <a:r>
-              <a:rPr lang="fr-FR" smtClean="0"/>
+              <a:rPr lang="fr-FR"/>
               <a:t>Modifiez les styles du texte du masque</a:t>
             </a:r>
           </a:p>
           <a:p>
             <a:pPr lvl="1"/>
             <a:r>
-              <a:rPr lang="fr-FR" smtClean="0"/>
+              <a:rPr lang="fr-FR"/>
               <a:t>Deuxième niveau</a:t>
             </a:r>
           </a:p>
           <a:p>
             <a:pPr lvl="2"/>
             <a:r>
-              <a:rPr lang="fr-FR" smtClean="0"/>
+              <a:rPr lang="fr-FR"/>
               <a:t>Troisième niveau</a:t>
             </a:r>
           </a:p>
           <a:p>
             <a:pPr lvl="3"/>
             <a:r>
-              <a:rPr lang="fr-FR" smtClean="0"/>
+              <a:rPr lang="fr-FR"/>
               <a:t>Quatrième niveau</a:t>
             </a:r>
           </a:p>
           <a:p>
             <a:pPr lvl="4"/>
             <a:r>
-              <a:rPr lang="fr-FR" smtClean="0"/>
+              <a:rPr lang="fr-FR"/>
               <a:t>Cinquième niveau</a:t>
             </a:r>
-            <a:endParaRPr lang="fr-FR"/>
           </a:p>
         </p:txBody>
       </p:sp>
@@ -811,7 +819,7 @@
           <a:p>
             <a:fld id="{E72BE327-78F1-4B8A-A2FD-69ADA1A7DD7F}" type="datetimeFigureOut">
               <a:rPr lang="fr-FR" smtClean="0"/>
-              <a:t>28/10/2014</a:t>
+              <a:t>16/09/2023</a:t>
             </a:fld>
             <a:endParaRPr lang="fr-FR"/>
           </a:p>
@@ -914,10 +922,9 @@
           </a:lstStyle>
           <a:p>
             <a:r>
-              <a:rPr lang="fr-FR" smtClean="0"/>
+              <a:rPr lang="fr-FR"/>
               <a:t>Modifiez le style du titre</a:t>
             </a:r>
-            <a:endParaRPr lang="fr-FR"/>
           </a:p>
         </p:txBody>
       </p:sp>
@@ -1034,7 +1041,7 @@
           <a:p>
             <a:pPr lvl="0"/>
             <a:r>
-              <a:rPr lang="fr-FR" smtClean="0"/>
+              <a:rPr lang="fr-FR"/>
               <a:t>Modifiez les styles du texte du masque</a:t>
             </a:r>
           </a:p>
@@ -1057,7 +1064,7 @@
           <a:p>
             <a:fld id="{E72BE327-78F1-4B8A-A2FD-69ADA1A7DD7F}" type="datetimeFigureOut">
               <a:rPr lang="fr-FR" smtClean="0"/>
-              <a:t>28/10/2014</a:t>
+              <a:t>16/09/2023</a:t>
             </a:fld>
             <a:endParaRPr lang="fr-FR"/>
           </a:p>
@@ -1151,10 +1158,9 @@
           <a:lstStyle/>
           <a:p>
             <a:r>
-              <a:rPr lang="fr-FR" smtClean="0"/>
+              <a:rPr lang="fr-FR"/>
               <a:t>Modifiez le style du titre</a:t>
             </a:r>
-            <a:endParaRPr lang="fr-FR"/>
           </a:p>
         </p:txBody>
       </p:sp>
@@ -1208,38 +1214,37 @@
           <a:p>
             <a:pPr lvl="0"/>
             <a:r>
-              <a:rPr lang="fr-FR" smtClean="0"/>
+              <a:rPr lang="fr-FR"/>
               <a:t>Modifiez les styles du texte du masque</a:t>
             </a:r>
           </a:p>
           <a:p>
             <a:pPr lvl="1"/>
             <a:r>
-              <a:rPr lang="fr-FR" smtClean="0"/>
+              <a:rPr lang="fr-FR"/>
               <a:t>Deuxième niveau</a:t>
             </a:r>
           </a:p>
           <a:p>
             <a:pPr lvl="2"/>
             <a:r>
-              <a:rPr lang="fr-FR" smtClean="0"/>
+              <a:rPr lang="fr-FR"/>
               <a:t>Troisième niveau</a:t>
             </a:r>
           </a:p>
           <a:p>
             <a:pPr lvl="3"/>
             <a:r>
-              <a:rPr lang="fr-FR" smtClean="0"/>
+              <a:rPr lang="fr-FR"/>
               <a:t>Quatrième niveau</a:t>
             </a:r>
           </a:p>
           <a:p>
             <a:pPr lvl="4"/>
             <a:r>
-              <a:rPr lang="fr-FR" smtClean="0"/>
+              <a:rPr lang="fr-FR"/>
               <a:t>Cinquième niveau</a:t>
             </a:r>
-            <a:endParaRPr lang="fr-FR"/>
           </a:p>
         </p:txBody>
       </p:sp>
@@ -1293,38 +1298,37 @@
           <a:p>
             <a:pPr lvl="0"/>
             <a:r>
-              <a:rPr lang="fr-FR" smtClean="0"/>
+              <a:rPr lang="fr-FR"/>
               <a:t>Modifiez les styles du texte du masque</a:t>
             </a:r>
           </a:p>
           <a:p>
             <a:pPr lvl="1"/>
             <a:r>
-              <a:rPr lang="fr-FR" smtClean="0"/>
+              <a:rPr lang="fr-FR"/>
               <a:t>Deuxième niveau</a:t>
             </a:r>
           </a:p>
           <a:p>
             <a:pPr lvl="2"/>
             <a:r>
-              <a:rPr lang="fr-FR" smtClean="0"/>
+              <a:rPr lang="fr-FR"/>
               <a:t>Troisième niveau</a:t>
             </a:r>
           </a:p>
           <a:p>
             <a:pPr lvl="3"/>
             <a:r>
-              <a:rPr lang="fr-FR" smtClean="0"/>
+              <a:rPr lang="fr-FR"/>
               <a:t>Quatrième niveau</a:t>
             </a:r>
           </a:p>
           <a:p>
             <a:pPr lvl="4"/>
             <a:r>
-              <a:rPr lang="fr-FR" smtClean="0"/>
+              <a:rPr lang="fr-FR"/>
               <a:t>Cinquième niveau</a:t>
             </a:r>
-            <a:endParaRPr lang="fr-FR"/>
           </a:p>
         </p:txBody>
       </p:sp>
@@ -1345,7 +1349,7 @@
           <a:p>
             <a:fld id="{E72BE327-78F1-4B8A-A2FD-69ADA1A7DD7F}" type="datetimeFigureOut">
               <a:rPr lang="fr-FR" smtClean="0"/>
-              <a:t>28/10/2014</a:t>
+              <a:t>16/09/2023</a:t>
             </a:fld>
             <a:endParaRPr lang="fr-FR"/>
           </a:p>
@@ -1443,10 +1447,9 @@
           </a:lstStyle>
           <a:p>
             <a:r>
-              <a:rPr lang="fr-FR" smtClean="0"/>
+              <a:rPr lang="fr-FR"/>
               <a:t>Modifiez le style du titre</a:t>
             </a:r>
-            <a:endParaRPr lang="fr-FR"/>
           </a:p>
         </p:txBody>
       </p:sp>
@@ -1509,7 +1512,7 @@
           <a:p>
             <a:pPr lvl="0"/>
             <a:r>
-              <a:rPr lang="fr-FR" smtClean="0"/>
+              <a:rPr lang="fr-FR"/>
               <a:t>Modifiez les styles du texte du masque</a:t>
             </a:r>
           </a:p>
@@ -1565,38 +1568,37 @@
           <a:p>
             <a:pPr lvl="0"/>
             <a:r>
-              <a:rPr lang="fr-FR" smtClean="0"/>
+              <a:rPr lang="fr-FR"/>
               <a:t>Modifiez les styles du texte du masque</a:t>
             </a:r>
           </a:p>
           <a:p>
             <a:pPr lvl="1"/>
             <a:r>
-              <a:rPr lang="fr-FR" smtClean="0"/>
+              <a:rPr lang="fr-FR"/>
               <a:t>Deuxième niveau</a:t>
             </a:r>
           </a:p>
           <a:p>
             <a:pPr lvl="2"/>
             <a:r>
-              <a:rPr lang="fr-FR" smtClean="0"/>
+              <a:rPr lang="fr-FR"/>
               <a:t>Troisième niveau</a:t>
             </a:r>
           </a:p>
           <a:p>
             <a:pPr lvl="3"/>
             <a:r>
-              <a:rPr lang="fr-FR" smtClean="0"/>
+              <a:rPr lang="fr-FR"/>
               <a:t>Quatrième niveau</a:t>
             </a:r>
           </a:p>
           <a:p>
             <a:pPr lvl="4"/>
             <a:r>
-              <a:rPr lang="fr-FR" smtClean="0"/>
+              <a:rPr lang="fr-FR"/>
               <a:t>Cinquième niveau</a:t>
             </a:r>
-            <a:endParaRPr lang="fr-FR"/>
           </a:p>
         </p:txBody>
       </p:sp>
@@ -1659,7 +1661,7 @@
           <a:p>
             <a:pPr lvl="0"/>
             <a:r>
-              <a:rPr lang="fr-FR" smtClean="0"/>
+              <a:rPr lang="fr-FR"/>
               <a:t>Modifiez les styles du texte du masque</a:t>
             </a:r>
           </a:p>
@@ -1715,38 +1717,37 @@
           <a:p>
             <a:pPr lvl="0"/>
             <a:r>
-              <a:rPr lang="fr-FR" smtClean="0"/>
+              <a:rPr lang="fr-FR"/>
               <a:t>Modifiez les styles du texte du masque</a:t>
             </a:r>
           </a:p>
           <a:p>
             <a:pPr lvl="1"/>
             <a:r>
-              <a:rPr lang="fr-FR" smtClean="0"/>
+              <a:rPr lang="fr-FR"/>
               <a:t>Deuxième niveau</a:t>
             </a:r>
           </a:p>
           <a:p>
             <a:pPr lvl="2"/>
             <a:r>
-              <a:rPr lang="fr-FR" smtClean="0"/>
+              <a:rPr lang="fr-FR"/>
               <a:t>Troisième niveau</a:t>
             </a:r>
           </a:p>
           <a:p>
             <a:pPr lvl="3"/>
             <a:r>
-              <a:rPr lang="fr-FR" smtClean="0"/>
+              <a:rPr lang="fr-FR"/>
               <a:t>Quatrième niveau</a:t>
             </a:r>
           </a:p>
           <a:p>
             <a:pPr lvl="4"/>
             <a:r>
-              <a:rPr lang="fr-FR" smtClean="0"/>
+              <a:rPr lang="fr-FR"/>
               <a:t>Cinquième niveau</a:t>
             </a:r>
-            <a:endParaRPr lang="fr-FR"/>
           </a:p>
         </p:txBody>
       </p:sp>
@@ -1767,7 +1768,7 @@
           <a:p>
             <a:fld id="{E72BE327-78F1-4B8A-A2FD-69ADA1A7DD7F}" type="datetimeFigureOut">
               <a:rPr lang="fr-FR" smtClean="0"/>
-              <a:t>28/10/2014</a:t>
+              <a:t>16/09/2023</a:t>
             </a:fld>
             <a:endParaRPr lang="fr-FR"/>
           </a:p>
@@ -1861,10 +1862,9 @@
           <a:lstStyle/>
           <a:p>
             <a:r>
-              <a:rPr lang="fr-FR" smtClean="0"/>
+              <a:rPr lang="fr-FR"/>
               <a:t>Modifiez le style du titre</a:t>
             </a:r>
-            <a:endParaRPr lang="fr-FR"/>
           </a:p>
         </p:txBody>
       </p:sp>
@@ -1885,7 +1885,7 @@
           <a:p>
             <a:fld id="{E72BE327-78F1-4B8A-A2FD-69ADA1A7DD7F}" type="datetimeFigureOut">
               <a:rPr lang="fr-FR" smtClean="0"/>
-              <a:t>28/10/2014</a:t>
+              <a:t>16/09/2023</a:t>
             </a:fld>
             <a:endParaRPr lang="fr-FR"/>
           </a:p>
@@ -1980,7 +1980,7 @@
           <a:p>
             <a:fld id="{E72BE327-78F1-4B8A-A2FD-69ADA1A7DD7F}" type="datetimeFigureOut">
               <a:rPr lang="fr-FR" smtClean="0"/>
-              <a:t>28/10/2014</a:t>
+              <a:t>16/09/2023</a:t>
             </a:fld>
             <a:endParaRPr lang="fr-FR"/>
           </a:p>
@@ -2083,10 +2083,9 @@
           </a:lstStyle>
           <a:p>
             <a:r>
-              <a:rPr lang="fr-FR" smtClean="0"/>
+              <a:rPr lang="fr-FR"/>
               <a:t>Modifiez le style du titre</a:t>
             </a:r>
-            <a:endParaRPr lang="fr-FR"/>
           </a:p>
         </p:txBody>
       </p:sp>
@@ -2140,38 +2139,37 @@
           <a:p>
             <a:pPr lvl="0"/>
             <a:r>
-              <a:rPr lang="fr-FR" smtClean="0"/>
+              <a:rPr lang="fr-FR"/>
               <a:t>Modifiez les styles du texte du masque</a:t>
             </a:r>
           </a:p>
           <a:p>
             <a:pPr lvl="1"/>
             <a:r>
-              <a:rPr lang="fr-FR" smtClean="0"/>
+              <a:rPr lang="fr-FR"/>
               <a:t>Deuxième niveau</a:t>
             </a:r>
           </a:p>
           <a:p>
             <a:pPr lvl="2"/>
             <a:r>
-              <a:rPr lang="fr-FR" smtClean="0"/>
+              <a:rPr lang="fr-FR"/>
               <a:t>Troisième niveau</a:t>
             </a:r>
           </a:p>
           <a:p>
             <a:pPr lvl="3"/>
             <a:r>
-              <a:rPr lang="fr-FR" smtClean="0"/>
+              <a:rPr lang="fr-FR"/>
               <a:t>Quatrième niveau</a:t>
             </a:r>
           </a:p>
           <a:p>
             <a:pPr lvl="4"/>
             <a:r>
-              <a:rPr lang="fr-FR" smtClean="0"/>
+              <a:rPr lang="fr-FR"/>
               <a:t>Cinquième niveau</a:t>
             </a:r>
-            <a:endParaRPr lang="fr-FR"/>
           </a:p>
         </p:txBody>
       </p:sp>
@@ -2234,7 +2232,7 @@
           <a:p>
             <a:pPr lvl="0"/>
             <a:r>
-              <a:rPr lang="fr-FR" smtClean="0"/>
+              <a:rPr lang="fr-FR"/>
               <a:t>Modifiez les styles du texte du masque</a:t>
             </a:r>
           </a:p>
@@ -2257,7 +2255,7 @@
           <a:p>
             <a:fld id="{E72BE327-78F1-4B8A-A2FD-69ADA1A7DD7F}" type="datetimeFigureOut">
               <a:rPr lang="fr-FR" smtClean="0"/>
-              <a:t>28/10/2014</a:t>
+              <a:t>16/09/2023</a:t>
             </a:fld>
             <a:endParaRPr lang="fr-FR"/>
           </a:p>
@@ -2360,10 +2358,9 @@
           </a:lstStyle>
           <a:p>
             <a:r>
-              <a:rPr lang="fr-FR" smtClean="0"/>
+              <a:rPr lang="fr-FR"/>
               <a:t>Modifiez le style du titre</a:t>
             </a:r>
-            <a:endParaRPr lang="fr-FR"/>
           </a:p>
         </p:txBody>
       </p:sp>
@@ -2487,7 +2484,7 @@
           <a:p>
             <a:pPr lvl="0"/>
             <a:r>
-              <a:rPr lang="fr-FR" smtClean="0"/>
+              <a:rPr lang="fr-FR"/>
               <a:t>Modifiez les styles du texte du masque</a:t>
             </a:r>
           </a:p>
@@ -2510,7 +2507,7 @@
           <a:p>
             <a:fld id="{E72BE327-78F1-4B8A-A2FD-69ADA1A7DD7F}" type="datetimeFigureOut">
               <a:rPr lang="fr-FR" smtClean="0"/>
-              <a:t>28/10/2014</a:t>
+              <a:t>16/09/2023</a:t>
             </a:fld>
             <a:endParaRPr lang="fr-FR"/>
           </a:p>
@@ -2619,10 +2616,9 @@
           <a:lstStyle/>
           <a:p>
             <a:r>
-              <a:rPr lang="fr-FR" smtClean="0"/>
+              <a:rPr lang="fr-FR"/>
               <a:t>Modifiez le style du titre</a:t>
             </a:r>
-            <a:endParaRPr lang="fr-FR"/>
           </a:p>
         </p:txBody>
       </p:sp>
@@ -2653,38 +2649,37 @@
           <a:p>
             <a:pPr lvl="0"/>
             <a:r>
-              <a:rPr lang="fr-FR" smtClean="0"/>
+              <a:rPr lang="fr-FR"/>
               <a:t>Modifiez les styles du texte du masque</a:t>
             </a:r>
           </a:p>
           <a:p>
             <a:pPr lvl="1"/>
             <a:r>
-              <a:rPr lang="fr-FR" smtClean="0"/>
+              <a:rPr lang="fr-FR"/>
               <a:t>Deuxième niveau</a:t>
             </a:r>
           </a:p>
           <a:p>
             <a:pPr lvl="2"/>
             <a:r>
-              <a:rPr lang="fr-FR" smtClean="0"/>
+              <a:rPr lang="fr-FR"/>
               <a:t>Troisième niveau</a:t>
             </a:r>
           </a:p>
           <a:p>
             <a:pPr lvl="3"/>
             <a:r>
-              <a:rPr lang="fr-FR" smtClean="0"/>
+              <a:rPr lang="fr-FR"/>
               <a:t>Quatrième niveau</a:t>
             </a:r>
           </a:p>
           <a:p>
             <a:pPr lvl="4"/>
             <a:r>
-              <a:rPr lang="fr-FR" smtClean="0"/>
+              <a:rPr lang="fr-FR"/>
               <a:t>Cinquième niveau</a:t>
             </a:r>
-            <a:endParaRPr lang="fr-FR"/>
           </a:p>
         </p:txBody>
       </p:sp>
@@ -2723,7 +2718,7 @@
           <a:p>
             <a:fld id="{E72BE327-78F1-4B8A-A2FD-69ADA1A7DD7F}" type="datetimeFigureOut">
               <a:rPr lang="fr-FR" smtClean="0"/>
-              <a:t>28/10/2014</a:t>
+              <a:t>16/09/2023</a:t>
             </a:fld>
             <a:endParaRPr lang="fr-FR"/>
           </a:p>
@@ -3121,10 +3116,9 @@
           <a:lstStyle/>
           <a:p>
             <a:r>
-              <a:rPr lang="fr-FR" sz="19900" b="1" dirty="0" smtClean="0"/>
+              <a:rPr lang="fr-FR" sz="19900" b="1" dirty="0"/>
               <a:t>492</a:t>
             </a:r>
-            <a:endParaRPr lang="fr-FR" sz="19900" b="1" dirty="0"/>
           </a:p>
         </p:txBody>
       </p:sp>
@@ -3200,7 +3194,7 @@
           <a:lstStyle/>
           <a:p>
             <a:r>
-              <a:rPr lang="en-GB" sz="4800" b="1" dirty="0" smtClean="0">
+              <a:rPr lang="en-GB" sz="4800" b="1" dirty="0">
                 <a:solidFill>
                   <a:srgbClr val="FF0000"/>
                 </a:solidFill>
@@ -3229,29 +3223,69 @@
             </a:r>
             <a:r>
               <a:rPr lang="fr-FR" sz="4800" b="1" dirty="0"/>
-              <a:t/>
+              <a:t> </a:t>
+            </a:r>
+            <a:r>
+              <a:rPr lang="en-GB" sz="4800" b="1" dirty="0"/>
+              <a:t>MPAMORONA,</a:t>
             </a:r>
             <a:br>
               <a:rPr lang="fr-FR" sz="4800" b="1" dirty="0"/>
             </a:br>
             <a:r>
-              <a:rPr lang="en-GB" sz="4800" b="1" dirty="0"/>
-              <a:t>              MPAMORONA,</a:t>
-            </a:r>
-            <a:r>
-              <a:rPr lang="fr-FR" sz="4800" b="1" dirty="0"/>
-              <a:t/>
+              <a:rPr lang="en-GB" sz="4800" b="1" dirty="0" err="1"/>
+              <a:t>Mpanao</a:t>
+            </a:r>
+            <a:r>
+              <a:rPr lang="en-GB" sz="4800" b="1" dirty="0"/>
+              <a:t> </a:t>
+            </a:r>
+            <a:r>
+              <a:rPr lang="en-GB" sz="4800" b="1" dirty="0" err="1"/>
+              <a:t>ny</a:t>
+            </a:r>
+            <a:r>
+              <a:rPr lang="en-GB" sz="4800" b="1" dirty="0"/>
+              <a:t> </a:t>
+            </a:r>
+            <a:r>
+              <a:rPr lang="en-GB" sz="4800" b="1" dirty="0" err="1"/>
+              <a:t>tany</a:t>
+            </a:r>
+            <a:r>
+              <a:rPr lang="en-GB" sz="4800" b="1" dirty="0"/>
+              <a:t> </a:t>
+            </a:r>
+            <a:r>
+              <a:rPr lang="en-GB" sz="4800" b="1" dirty="0" err="1"/>
+              <a:t>sy</a:t>
+            </a:r>
+            <a:r>
+              <a:rPr lang="en-GB" sz="4800" b="1" dirty="0"/>
+              <a:t> </a:t>
+            </a:r>
+            <a:r>
+              <a:rPr lang="en-GB" sz="4800" b="1" dirty="0" err="1"/>
+              <a:t>ny</a:t>
+            </a:r>
+            <a:r>
+              <a:rPr lang="en-GB" sz="4800" b="1" dirty="0"/>
+              <a:t> </a:t>
+            </a:r>
+            <a:r>
+              <a:rPr lang="en-GB" sz="4800" b="1" dirty="0" err="1"/>
+              <a:t>lanitra</a:t>
+            </a:r>
+            <a:r>
+              <a:rPr lang="en-GB" sz="4800" b="1" dirty="0"/>
+              <a:t> ;</a:t>
             </a:r>
             <a:br>
               <a:rPr lang="fr-FR" sz="4800" b="1" dirty="0"/>
             </a:br>
             <a:r>
-              <a:rPr lang="en-GB" sz="4800" b="1" dirty="0"/>
-              <a:t>   </a:t>
-            </a:r>
-            <a:r>
               <a:rPr lang="en-GB" sz="4800" b="1" dirty="0" err="1"/>
-              <a:t>Mpanao</a:t>
+              <a:t>Izaho</a:t>
             </a:r>
             <a:r>
               <a:rPr lang="en-GB" sz="4800" b="1" dirty="0"/>
@@ -3259,89 +3293,18 @@
             </a:r>
             <a:r>
               <a:rPr lang="en-GB" sz="4800" b="1" dirty="0" err="1"/>
-              <a:t>ny</a:t>
-            </a:r>
-            <a:r>
-              <a:rPr lang="en-GB" sz="4800" b="1" dirty="0"/>
-              <a:t> </a:t>
-            </a:r>
-            <a:r>
-              <a:rPr lang="en-GB" sz="4800" b="1" dirty="0" err="1"/>
-              <a:t>tany</a:t>
-            </a:r>
-            <a:r>
-              <a:rPr lang="en-GB" sz="4800" b="1" dirty="0"/>
-              <a:t> </a:t>
-            </a:r>
-            <a:r>
-              <a:rPr lang="en-GB" sz="4800" b="1" dirty="0" err="1"/>
-              <a:t>sy</a:t>
-            </a:r>
-            <a:r>
-              <a:rPr lang="en-GB" sz="4800" b="1" dirty="0"/>
-              <a:t> </a:t>
-            </a:r>
-            <a:r>
-              <a:rPr lang="en-GB" sz="4800" b="1" dirty="0" err="1"/>
-              <a:t>ny</a:t>
-            </a:r>
-            <a:r>
-              <a:rPr lang="en-GB" sz="4800" b="1" dirty="0"/>
-              <a:t> </a:t>
-            </a:r>
-            <a:r>
-              <a:rPr lang="en-GB" sz="4800" b="1" dirty="0" err="1"/>
-              <a:t>lanitra</a:t>
-            </a:r>
-            <a:r>
-              <a:rPr lang="en-GB" sz="4800" b="1" dirty="0"/>
-              <a:t> ;</a:t>
-            </a:r>
-            <a:r>
-              <a:rPr lang="fr-FR" sz="4800" b="1" dirty="0"/>
-              <a:t/>
+              <a:t>manam-panorenana</a:t>
+            </a:r>
+            <a:r>
+              <a:rPr lang="en-GB" sz="4800" b="1" dirty="0"/>
+              <a:t>,</a:t>
             </a:r>
             <a:br>
               <a:rPr lang="fr-FR" sz="4800" b="1" dirty="0"/>
             </a:br>
             <a:r>
               <a:rPr lang="en-GB" sz="4800" b="1" dirty="0"/>
-              <a:t>   </a:t>
-            </a:r>
-            <a:r>
-              <a:rPr lang="en-GB" sz="4800" b="1" dirty="0" err="1"/>
-              <a:t>Izaho</a:t>
-            </a:r>
-            <a:r>
-              <a:rPr lang="en-GB" sz="4800" b="1" dirty="0"/>
-              <a:t> </a:t>
-            </a:r>
-            <a:r>
-              <a:rPr lang="en-GB" sz="4800" b="1" dirty="0" err="1"/>
-              <a:t>manam-panorenana</a:t>
-            </a:r>
-            <a:r>
-              <a:rPr lang="en-GB" sz="4800" b="1" dirty="0"/>
-              <a:t>,</a:t>
-            </a:r>
-            <a:r>
-              <a:rPr lang="fr-FR" sz="4800" b="1" dirty="0"/>
-              <a:t/>
-            </a:r>
-            <a:br>
-              <a:rPr lang="fr-FR" sz="4800" b="1" dirty="0"/>
-            </a:br>
-            <a:r>
-              <a:rPr lang="en-GB" sz="4800" b="1" dirty="0"/>
-              <a:t>   </a:t>
-            </a:r>
-            <a:r>
-              <a:rPr lang="en-GB" sz="4800" b="1" dirty="0" err="1"/>
-              <a:t>Fa</a:t>
-            </a:r>
-            <a:r>
-              <a:rPr lang="en-GB" sz="4800" b="1" dirty="0"/>
-              <a:t> </a:t>
+              <a:t>Fa </a:t>
             </a:r>
             <a:r>
               <a:rPr lang="en-GB" sz="4800" b="1" dirty="0" err="1"/>
@@ -3357,21 +3320,18 @@
             </a:r>
             <a:r>
               <a:rPr lang="fr-FR" sz="4800" b="1" dirty="0"/>
-              <a:t/>
-            </a:r>
-            <a:br>
-              <a:rPr lang="fr-FR" sz="4800" b="1" dirty="0"/>
-            </a:br>
-            <a:r>
-              <a:rPr lang="en-GB" sz="4800" b="1" dirty="0"/>
-              <a:t>               an-</a:t>
+              <a:t> </a:t>
+            </a:r>
+            <a:r>
+              <a:rPr lang="en-GB" sz="4800" b="1" dirty="0"/>
+              <a:t>an-</a:t>
             </a:r>
             <a:r>
               <a:rPr lang="en-GB" sz="4800" b="1" dirty="0" err="1"/>
               <a:t>danitra</a:t>
             </a:r>
             <a:r>
-              <a:rPr lang="en-GB" sz="4800" b="1" dirty="0" smtClean="0"/>
+              <a:rPr lang="en-GB" sz="4800" b="1" dirty="0"/>
               <a:t>.</a:t>
             </a:r>
             <a:endParaRPr lang="fr-FR" sz="4800" b="1" dirty="0"/>
@@ -3431,7 +3391,7 @@
           <a:lstStyle/>
           <a:p>
             <a:r>
-              <a:rPr lang="en-GB" sz="4800" b="1" dirty="0" smtClean="0">
+              <a:rPr lang="en-GB" sz="4800" b="1" dirty="0">
                 <a:solidFill>
                   <a:srgbClr val="FF0000"/>
                 </a:solidFill>
@@ -3460,29 +3420,53 @@
             </a:r>
             <a:r>
               <a:rPr lang="fr-FR" sz="4800" b="1" dirty="0"/>
-              <a:t/>
+              <a:t> </a:t>
+            </a:r>
+            <a:r>
+              <a:rPr lang="en-GB" sz="4800" b="1" dirty="0"/>
+              <a:t>MPANAVOTRA,</a:t>
             </a:r>
             <a:br>
               <a:rPr lang="fr-FR" sz="4800" b="1" dirty="0"/>
             </a:br>
             <a:r>
               <a:rPr lang="en-GB" sz="4800" b="1" dirty="0"/>
-              <a:t>              MPANAVOTRA,</a:t>
-            </a:r>
-            <a:r>
-              <a:rPr lang="fr-FR" sz="4800" b="1" dirty="0"/>
-              <a:t/>
+              <a:t>Ny </a:t>
+            </a:r>
+            <a:r>
+              <a:rPr lang="en-GB" sz="4800" b="1" dirty="0" err="1"/>
+              <a:t>rany</a:t>
+            </a:r>
+            <a:r>
+              <a:rPr lang="en-GB" sz="4800" b="1" dirty="0"/>
+              <a:t> </a:t>
+            </a:r>
+            <a:r>
+              <a:rPr lang="en-GB" sz="4800" b="1" dirty="0" err="1"/>
+              <a:t>masina</a:t>
+            </a:r>
+            <a:r>
+              <a:rPr lang="en-GB" sz="4800" b="1" dirty="0"/>
+              <a:t> no </a:t>
+            </a:r>
+            <a:r>
+              <a:rPr lang="en-GB" sz="4800" b="1" dirty="0" err="1"/>
+              <a:t>mamiko</a:t>
+            </a:r>
+            <a:r>
+              <a:rPr lang="en-GB" sz="4800" b="1" dirty="0"/>
+              <a:t>,</a:t>
             </a:r>
             <a:br>
               <a:rPr lang="fr-FR" sz="4800" b="1" dirty="0"/>
             </a:br>
             <a:r>
               <a:rPr lang="en-GB" sz="4800" b="1" dirty="0"/>
-              <a:t>   </a:t>
+              <a:t>Ny </a:t>
             </a:r>
             <a:r>
               <a:rPr lang="en-GB" sz="4800" b="1" dirty="0" err="1"/>
-              <a:t>Ny</a:t>
+              <a:t>momba</a:t>
             </a:r>
             <a:r>
               <a:rPr lang="en-GB" sz="4800" b="1" dirty="0"/>
@@ -3490,7 +3474,7 @@
             </a:r>
             <a:r>
               <a:rPr lang="en-GB" sz="4800" b="1" dirty="0" err="1"/>
-              <a:t>rany</a:t>
+              <a:t>Azy</a:t>
             </a:r>
             <a:r>
               <a:rPr lang="en-GB" sz="4800" b="1" dirty="0"/>
@@ -3498,89 +3482,26 @@
             </a:r>
             <a:r>
               <a:rPr lang="en-GB" sz="4800" b="1" dirty="0" err="1"/>
-              <a:t>masina</a:t>
-            </a:r>
-            <a:r>
-              <a:rPr lang="en-GB" sz="4800" b="1" dirty="0"/>
-              <a:t> no </a:t>
+              <a:t>dia</a:t>
+            </a:r>
+            <a:r>
+              <a:rPr lang="en-GB" sz="4800" b="1" dirty="0"/>
+              <a:t> </a:t>
             </a:r>
             <a:r>
               <a:rPr lang="en-GB" sz="4800" b="1" dirty="0" err="1"/>
-              <a:t>mamiko</a:t>
+              <a:t>sambatra</a:t>
             </a:r>
             <a:r>
               <a:rPr lang="en-GB" sz="4800" b="1" dirty="0"/>
               <a:t>,</a:t>
-            </a:r>
-            <a:r>
-              <a:rPr lang="fr-FR" sz="4800" b="1" dirty="0"/>
-              <a:t/>
             </a:r>
             <a:br>
               <a:rPr lang="fr-FR" sz="4800" b="1" dirty="0"/>
             </a:br>
             <a:r>
               <a:rPr lang="en-GB" sz="4800" b="1" dirty="0"/>
-              <a:t>   </a:t>
-            </a:r>
-            <a:r>
-              <a:rPr lang="en-GB" sz="4800" b="1" dirty="0" err="1"/>
-              <a:t>Ny</a:t>
-            </a:r>
-            <a:r>
-              <a:rPr lang="en-GB" sz="4800" b="1" dirty="0"/>
-              <a:t> </a:t>
-            </a:r>
-            <a:r>
-              <a:rPr lang="en-GB" sz="4800" b="1" dirty="0" err="1"/>
-              <a:t>momba</a:t>
-            </a:r>
-            <a:r>
-              <a:rPr lang="en-GB" sz="4800" b="1" dirty="0"/>
-              <a:t> </a:t>
-            </a:r>
-            <a:r>
-              <a:rPr lang="en-GB" sz="4800" b="1" dirty="0" err="1"/>
-              <a:t>Azy</a:t>
-            </a:r>
-            <a:r>
-              <a:rPr lang="en-GB" sz="4800" b="1" dirty="0"/>
-              <a:t> </a:t>
-            </a:r>
-            <a:r>
-              <a:rPr lang="en-GB" sz="4800" b="1" dirty="0" err="1"/>
-              <a:t>dia</a:t>
-            </a:r>
-            <a:r>
-              <a:rPr lang="en-GB" sz="4800" b="1" dirty="0"/>
-              <a:t> </a:t>
-            </a:r>
-            <a:r>
-              <a:rPr lang="en-GB" sz="4800" b="1" dirty="0" err="1"/>
-              <a:t>sambatra</a:t>
-            </a:r>
-            <a:r>
-              <a:rPr lang="en-GB" sz="4800" b="1" dirty="0"/>
-              <a:t>,</a:t>
-            </a:r>
-            <a:r>
-              <a:rPr lang="fr-FR" sz="4800" b="1" dirty="0"/>
-              <a:t/>
-            </a:r>
-            <a:br>
-              <a:rPr lang="fr-FR" sz="4800" b="1" dirty="0"/>
-            </a:br>
-            <a:r>
-              <a:rPr lang="en-GB" sz="4800" b="1" dirty="0"/>
-              <a:t>   </a:t>
-            </a:r>
-            <a:r>
-              <a:rPr lang="en-GB" sz="4800" b="1" dirty="0" err="1"/>
-              <a:t>Ny</a:t>
-            </a:r>
-            <a:r>
-              <a:rPr lang="en-GB" sz="4800" b="1" dirty="0"/>
-              <a:t> </a:t>
+              <a:t>Ny </a:t>
             </a:r>
             <a:r>
               <a:rPr lang="en-GB" sz="4800" b="1" dirty="0" err="1"/>
@@ -3663,7 +3584,7 @@
           <a:lstStyle/>
           <a:p>
             <a:r>
-              <a:rPr lang="en-GB" sz="4800" b="1" dirty="0" smtClean="0">
+              <a:rPr lang="en-GB" sz="4800" b="1" dirty="0">
                 <a:solidFill>
                   <a:srgbClr val="FF0000"/>
                 </a:solidFill>
@@ -3686,18 +3607,10 @@
               <a:rPr lang="en-GB" sz="4800" b="1" dirty="0"/>
               <a:t> MPANAMASINA,</a:t>
             </a:r>
-            <a:r>
-              <a:rPr lang="fr-FR" sz="4800" b="1" dirty="0"/>
-              <a:t/>
-            </a:r>
             <a:br>
               <a:rPr lang="fr-FR" sz="4800" b="1" dirty="0"/>
             </a:br>
             <a:r>
-              <a:rPr lang="en-GB" sz="4800" b="1" dirty="0"/>
-              <a:t>   </a:t>
-            </a:r>
-            <a:r>
               <a:rPr lang="en-GB" sz="4800" b="1" dirty="0" err="1"/>
               <a:t>Mpananatro</a:t>
             </a:r>
@@ -3720,19 +3633,11 @@
             <a:r>
               <a:rPr lang="en-GB" sz="4800" b="1" dirty="0"/>
               <a:t> ;</a:t>
-            </a:r>
-            <a:r>
-              <a:rPr lang="fr-FR" sz="4800" b="1" dirty="0"/>
-              <a:t/>
             </a:r>
             <a:br>
               <a:rPr lang="fr-FR" sz="4800" b="1" dirty="0"/>
             </a:br>
             <a:r>
-              <a:rPr lang="en-GB" sz="4800" b="1" dirty="0"/>
-              <a:t>   </a:t>
-            </a:r>
-            <a:r>
               <a:rPr lang="en-GB" sz="4800" b="1" dirty="0" err="1"/>
               <a:t>Izaho</a:t>
             </a:r>
@@ -3763,18 +3668,10 @@
             <a:r>
               <a:rPr lang="en-GB" sz="4800" b="1" dirty="0"/>
               <a:t>,</a:t>
-            </a:r>
-            <a:r>
-              <a:rPr lang="fr-FR" sz="4800" b="1" dirty="0"/>
-              <a:t/>
             </a:r>
             <a:br>
               <a:rPr lang="fr-FR" sz="4800" b="1" dirty="0"/>
             </a:br>
-            <a:r>
-              <a:rPr lang="en-GB" sz="4800" b="1" dirty="0"/>
-              <a:t>   </a:t>
-            </a:r>
             <a:r>
               <a:rPr lang="en-GB" sz="4800" b="1" dirty="0" err="1"/>
               <a:t>Mba</a:t>
